--- a/Проект Webserver-презентация.pptx
+++ b/Проект Webserver-презентация.pptx
@@ -110,6 +110,11 @@
       </a:defRPr>
     </a:lvl9pPr>
   </p:defaultTextStyle>
+  <p:extLst>
+    <p:ext uri="{EFAFB233-063F-42B5-8137-9DF3F51BA10A}">
+      <p15:sldGuideLst xmlns:p15="http://schemas.microsoft.com/office/powerpoint/2012/main"/>
+    </p:ext>
+  </p:extLst>
 </p:presentation>
 </file>
 
@@ -339,7 +344,7 @@
           <a:p>
             <a:fld id="{55866227-17E6-4C99-A3D0-D48831693C74}" type="datetimeFigureOut">
               <a:rPr lang="ru-RU" smtClean="0"/>
-              <a:t>27.03.2019</a:t>
+              <a:t>28.03.2019</a:t>
             </a:fld>
             <a:endParaRPr lang="ru-RU"/>
           </a:p>
@@ -547,7 +552,7 @@
           <a:p>
             <a:fld id="{55866227-17E6-4C99-A3D0-D48831693C74}" type="datetimeFigureOut">
               <a:rPr lang="ru-RU" smtClean="0"/>
-              <a:t>27.03.2019</a:t>
+              <a:t>28.03.2019</a:t>
             </a:fld>
             <a:endParaRPr lang="ru-RU"/>
           </a:p>
@@ -803,7 +808,7 @@
           <a:p>
             <a:fld id="{55866227-17E6-4C99-A3D0-D48831693C74}" type="datetimeFigureOut">
               <a:rPr lang="ru-RU" smtClean="0"/>
-              <a:t>27.03.2019</a:t>
+              <a:t>28.03.2019</a:t>
             </a:fld>
             <a:endParaRPr lang="ru-RU"/>
           </a:p>
@@ -977,7 +982,7 @@
           <a:p>
             <a:fld id="{55866227-17E6-4C99-A3D0-D48831693C74}" type="datetimeFigureOut">
               <a:rPr lang="ru-RU" smtClean="0"/>
-              <a:t>27.03.2019</a:t>
+              <a:t>28.03.2019</a:t>
             </a:fld>
             <a:endParaRPr lang="ru-RU"/>
           </a:p>
@@ -1320,7 +1325,7 @@
           <a:p>
             <a:fld id="{55866227-17E6-4C99-A3D0-D48831693C74}" type="datetimeFigureOut">
               <a:rPr lang="ru-RU" smtClean="0"/>
-              <a:t>27.03.2019</a:t>
+              <a:t>28.03.2019</a:t>
             </a:fld>
             <a:endParaRPr lang="ru-RU"/>
           </a:p>
@@ -1595,7 +1600,7 @@
           <a:p>
             <a:fld id="{55866227-17E6-4C99-A3D0-D48831693C74}" type="datetimeFigureOut">
               <a:rPr lang="ru-RU" smtClean="0"/>
-              <a:t>27.03.2019</a:t>
+              <a:t>28.03.2019</a:t>
             </a:fld>
             <a:endParaRPr lang="ru-RU"/>
           </a:p>
@@ -1974,7 +1979,7 @@
           <a:p>
             <a:fld id="{55866227-17E6-4C99-A3D0-D48831693C74}" type="datetimeFigureOut">
               <a:rPr lang="ru-RU" smtClean="0"/>
-              <a:t>27.03.2019</a:t>
+              <a:t>28.03.2019</a:t>
             </a:fld>
             <a:endParaRPr lang="ru-RU"/>
           </a:p>
@@ -2092,7 +2097,7 @@
           <a:p>
             <a:fld id="{55866227-17E6-4C99-A3D0-D48831693C74}" type="datetimeFigureOut">
               <a:rPr lang="ru-RU" smtClean="0"/>
-              <a:t>27.03.2019</a:t>
+              <a:t>28.03.2019</a:t>
             </a:fld>
             <a:endParaRPr lang="ru-RU"/>
           </a:p>
@@ -2263,7 +2268,7 @@
           <a:p>
             <a:fld id="{55866227-17E6-4C99-A3D0-D48831693C74}" type="datetimeFigureOut">
               <a:rPr lang="ru-RU" smtClean="0"/>
-              <a:t>27.03.2019</a:t>
+              <a:t>28.03.2019</a:t>
             </a:fld>
             <a:endParaRPr lang="ru-RU"/>
           </a:p>
@@ -2617,7 +2622,7 @@
           <a:p>
             <a:fld id="{55866227-17E6-4C99-A3D0-D48831693C74}" type="datetimeFigureOut">
               <a:rPr lang="ru-RU" smtClean="0"/>
-              <a:t>27.03.2019</a:t>
+              <a:t>28.03.2019</a:t>
             </a:fld>
             <a:endParaRPr lang="ru-RU"/>
           </a:p>
@@ -2999,7 +3004,7 @@
           <a:p>
             <a:fld id="{55866227-17E6-4C99-A3D0-D48831693C74}" type="datetimeFigureOut">
               <a:rPr lang="ru-RU" smtClean="0"/>
-              <a:t>27.03.2019</a:t>
+              <a:t>28.03.2019</a:t>
             </a:fld>
             <a:endParaRPr lang="ru-RU"/>
           </a:p>
@@ -3286,7 +3291,7 @@
           <a:p>
             <a:fld id="{55866227-17E6-4C99-A3D0-D48831693C74}" type="datetimeFigureOut">
               <a:rPr lang="ru-RU" smtClean="0"/>
-              <a:t>27.03.2019</a:t>
+              <a:t>28.03.2019</a:t>
             </a:fld>
             <a:endParaRPr lang="ru-RU"/>
           </a:p>
@@ -3870,6 +3875,13 @@
   <p:clrMapOvr>
     <a:masterClrMapping/>
   </p:clrMapOvr>
+  <p:timing>
+    <p:tnLst>
+      <p:par>
+        <p:cTn id="1" dur="indefinite" restart="never" nodeType="tmRoot"/>
+      </p:par>
+    </p:tnLst>
+  </p:timing>
 </p:sld>
 </file>
 
@@ -3952,6 +3964,13 @@
   <p:clrMapOvr>
     <a:masterClrMapping/>
   </p:clrMapOvr>
+  <p:timing>
+    <p:tnLst>
+      <p:par>
+        <p:cTn id="1" dur="indefinite" restart="never" nodeType="tmRoot"/>
+      </p:par>
+    </p:tnLst>
+  </p:timing>
 </p:sld>
 </file>
 
@@ -4035,6 +4054,13 @@
   <p:clrMapOvr>
     <a:masterClrMapping/>
   </p:clrMapOvr>
+  <p:timing>
+    <p:tnLst>
+      <p:par>
+        <p:cTn id="1" dur="indefinite" restart="never" nodeType="tmRoot"/>
+      </p:par>
+    </p:tnLst>
+  </p:timing>
 </p:sld>
 </file>
 
@@ -4169,6 +4195,13 @@
   <p:clrMapOvr>
     <a:masterClrMapping/>
   </p:clrMapOvr>
+  <p:timing>
+    <p:tnLst>
+      <p:par>
+        <p:cTn id="1" dur="indefinite" restart="never" nodeType="tmRoot"/>
+      </p:par>
+    </p:tnLst>
+  </p:timing>
 </p:sld>
 </file>
 
@@ -4247,11 +4280,11 @@
             </a:r>
             <a:r>
               <a:rPr lang="ru-RU" sz="2400" dirty="0"/>
-              <a:t>, изменения работы с файлами книг и улучшения внешнего вида страниц</a:t>
+              <a:t>, изменения работы с файлами книг и улучшения внешнего вида </a:t>
             </a:r>
             <a:r>
               <a:rPr lang="ru-RU" sz="2400" dirty="0" smtClean="0"/>
-              <a:t>.</a:t>
+              <a:t>страниц, хранения паролей в зашифрованном виде.</a:t>
             </a:r>
             <a:endParaRPr lang="ru-RU" sz="2400" dirty="0"/>
           </a:p>
@@ -4267,6 +4300,13 @@
   <p:clrMapOvr>
     <a:masterClrMapping/>
   </p:clrMapOvr>
+  <p:timing>
+    <p:tnLst>
+      <p:par>
+        <p:cTn id="1" dur="indefinite" restart="never" nodeType="tmRoot"/>
+      </p:par>
+    </p:tnLst>
+  </p:timing>
 </p:sld>
 </file>
 
@@ -4415,6 +4455,13 @@
   <p:clrMapOvr>
     <a:masterClrMapping/>
   </p:clrMapOvr>
+  <p:timing>
+    <p:tnLst>
+      <p:par>
+        <p:cTn id="1" dur="indefinite" restart="never" nodeType="tmRoot"/>
+      </p:par>
+    </p:tnLst>
+  </p:timing>
 </p:sld>
 </file>
 
@@ -4563,6 +4610,13 @@
   <p:clrMapOvr>
     <a:masterClrMapping/>
   </p:clrMapOvr>
+  <p:timing>
+    <p:tnLst>
+      <p:par>
+        <p:cTn id="1" dur="indefinite" restart="never" nodeType="tmRoot"/>
+      </p:par>
+    </p:tnLst>
+  </p:timing>
 </p:sld>
 </file>
 
